--- a/minicurso_projecao_mortalidade.pptx
+++ b/minicurso_projecao_mortalidade.pptx
@@ -6202,8 +6202,8 @@
     <dgm:cxn modelId="{1CDDEC2B-16B4-48FE-BD28-C5D9ECC2F1C3}" srcId="{BDF7618B-2596-4173-A871-AE4BDF2F1209}" destId="{7DB54063-DA8C-4ED6-8F24-71893DA9C836}" srcOrd="3" destOrd="0" parTransId="{CAEC180F-C61B-4C2A-981A-2E3764E8C1B8}" sibTransId="{C4238611-1846-40A9-B427-98574157A3F4}"/>
     <dgm:cxn modelId="{F8C3F042-D552-4C3C-9609-0ED41DD5BF5C}" type="presOf" srcId="{853DFB92-DC24-4E80-B9CD-504D145CDDAE}" destId="{6C329518-3E02-46EE-A5A9-3B361F227588}" srcOrd="0" destOrd="0" presId="urn:microsoft.com/office/officeart/2018/2/layout/IconCircleList"/>
     <dgm:cxn modelId="{D4F05C45-CFAD-41C6-BF05-1C563AC8ACCB}" srcId="{BDF7618B-2596-4173-A871-AE4BDF2F1209}" destId="{853DFB92-DC24-4E80-B9CD-504D145CDDAE}" srcOrd="1" destOrd="0" parTransId="{4F33D127-3082-42B5-9B0C-843C371583E6}" sibTransId="{84D11F4F-2B54-4E9B-BD4C-E8D29DE66C92}"/>
+    <dgm:cxn modelId="{FD36746D-AAB0-4EEF-B36C-E5DE5793B19E}" type="presOf" srcId="{260FA287-64CD-4F03-BD15-238B2B14623A}" destId="{83B2E794-2853-4DCB-A131-FE0B112A8B6E}" srcOrd="0" destOrd="0" presId="urn:microsoft.com/office/officeart/2018/2/layout/IconCircleList"/>
     <dgm:cxn modelId="{BBCAAC53-6D7B-46BA-9599-3AF12C1F78E1}" type="presOf" srcId="{10D3E70D-C584-4A64-B66C-C7613B80C21A}" destId="{1D4C69AE-B07F-43FA-871A-2C58D49549A3}" srcOrd="0" destOrd="0" presId="urn:microsoft.com/office/officeart/2018/2/layout/IconCircleList"/>
-    <dgm:cxn modelId="{FD36746D-AAB0-4EEF-B36C-E5DE5793B19E}" type="presOf" srcId="{260FA287-64CD-4F03-BD15-238B2B14623A}" destId="{83B2E794-2853-4DCB-A131-FE0B112A8B6E}" srcOrd="0" destOrd="0" presId="urn:microsoft.com/office/officeart/2018/2/layout/IconCircleList"/>
     <dgm:cxn modelId="{AC3D0996-099D-46A1-B639-32CA3CA75EAC}" type="presOf" srcId="{BDF7618B-2596-4173-A871-AE4BDF2F1209}" destId="{DF851B38-C6A7-4A05-BFE2-70D657C2AE8A}" srcOrd="0" destOrd="0" presId="urn:microsoft.com/office/officeart/2018/2/layout/IconCircleList"/>
     <dgm:cxn modelId="{191CF1A6-3B59-437D-861B-F6EFF6BBEB1A}" type="presOf" srcId="{84D11F4F-2B54-4E9B-BD4C-E8D29DE66C92}" destId="{68033293-A49C-4287-8546-563C68010C7D}" srcOrd="0" destOrd="0" presId="urn:microsoft.com/office/officeart/2018/2/layout/IconCircleList"/>
     <dgm:cxn modelId="{8519D0A7-AA3F-4F76-816B-6D67C1BC84B8}" type="presOf" srcId="{7DB54063-DA8C-4ED6-8F24-71893DA9C836}" destId="{2E431B04-051F-4B96-811D-166054F3F94B}" srcOrd="0" destOrd="0" presId="urn:microsoft.com/office/officeart/2018/2/layout/IconCircleList"/>
@@ -16606,7 +16606,7 @@
           <a:p>
             <a:fld id="{5BCAD085-E8A6-8845-BD4E-CB4CCA059FC4}" type="datetimeFigureOut">
               <a:rPr lang="en-US" smtClean="0"/>
-              <a:t>8/26/25</a:t>
+              <a:t>8/29/2025</a:t>
             </a:fld>
             <a:endParaRPr lang="en-US"/>
           </a:p>
@@ -16774,7 +16774,7 @@
           <a:p>
             <a:fld id="{5BCAD085-E8A6-8845-BD4E-CB4CCA059FC4}" type="datetimeFigureOut">
               <a:rPr lang="en-US" smtClean="0"/>
-              <a:t>8/26/25</a:t>
+              <a:t>8/29/2025</a:t>
             </a:fld>
             <a:endParaRPr lang="en-US"/>
           </a:p>
@@ -16952,7 +16952,7 @@
           <a:p>
             <a:fld id="{5BCAD085-E8A6-8845-BD4E-CB4CCA059FC4}" type="datetimeFigureOut">
               <a:rPr lang="en-US" smtClean="0"/>
-              <a:t>8/26/25</a:t>
+              <a:t>8/29/2025</a:t>
             </a:fld>
             <a:endParaRPr lang="en-US"/>
           </a:p>
@@ -17120,7 +17120,7 @@
           <a:p>
             <a:fld id="{5BCAD085-E8A6-8845-BD4E-CB4CCA059FC4}" type="datetimeFigureOut">
               <a:rPr lang="en-US" smtClean="0"/>
-              <a:t>8/26/25</a:t>
+              <a:t>8/29/2025</a:t>
             </a:fld>
             <a:endParaRPr lang="en-US"/>
           </a:p>
@@ -17365,7 +17365,7 @@
           <a:p>
             <a:fld id="{5BCAD085-E8A6-8845-BD4E-CB4CCA059FC4}" type="datetimeFigureOut">
               <a:rPr lang="en-US" smtClean="0"/>
-              <a:t>8/26/25</a:t>
+              <a:t>8/29/2025</a:t>
             </a:fld>
             <a:endParaRPr lang="en-US"/>
           </a:p>
@@ -17650,7 +17650,7 @@
           <a:p>
             <a:fld id="{5BCAD085-E8A6-8845-BD4E-CB4CCA059FC4}" type="datetimeFigureOut">
               <a:rPr lang="en-US" smtClean="0"/>
-              <a:t>8/26/25</a:t>
+              <a:t>8/29/2025</a:t>
             </a:fld>
             <a:endParaRPr lang="en-US"/>
           </a:p>
@@ -18069,7 +18069,7 @@
           <a:p>
             <a:fld id="{5BCAD085-E8A6-8845-BD4E-CB4CCA059FC4}" type="datetimeFigureOut">
               <a:rPr lang="en-US" smtClean="0"/>
-              <a:t>8/26/25</a:t>
+              <a:t>8/29/2025</a:t>
             </a:fld>
             <a:endParaRPr lang="en-US"/>
           </a:p>
@@ -18186,7 +18186,7 @@
           <a:p>
             <a:fld id="{5BCAD085-E8A6-8845-BD4E-CB4CCA059FC4}" type="datetimeFigureOut">
               <a:rPr lang="en-US" smtClean="0"/>
-              <a:t>8/26/25</a:t>
+              <a:t>8/29/2025</a:t>
             </a:fld>
             <a:endParaRPr lang="en-US"/>
           </a:p>
@@ -18281,7 +18281,7 @@
           <a:p>
             <a:fld id="{5BCAD085-E8A6-8845-BD4E-CB4CCA059FC4}" type="datetimeFigureOut">
               <a:rPr lang="en-US" smtClean="0"/>
-              <a:t>8/26/25</a:t>
+              <a:t>8/29/2025</a:t>
             </a:fld>
             <a:endParaRPr lang="en-US"/>
           </a:p>
@@ -18556,7 +18556,7 @@
           <a:p>
             <a:fld id="{5BCAD085-E8A6-8845-BD4E-CB4CCA059FC4}" type="datetimeFigureOut">
               <a:rPr lang="en-US" smtClean="0"/>
-              <a:t>8/26/25</a:t>
+              <a:t>8/29/2025</a:t>
             </a:fld>
             <a:endParaRPr lang="en-US"/>
           </a:p>
@@ -18808,7 +18808,7 @@
           <a:p>
             <a:fld id="{5BCAD085-E8A6-8845-BD4E-CB4CCA059FC4}" type="datetimeFigureOut">
               <a:rPr lang="en-US" smtClean="0"/>
-              <a:t>8/26/25</a:t>
+              <a:t>8/29/2025</a:t>
             </a:fld>
             <a:endParaRPr lang="en-US"/>
           </a:p>
@@ -19019,7 +19019,7 @@
           <a:p>
             <a:fld id="{5BCAD085-E8A6-8845-BD4E-CB4CCA059FC4}" type="datetimeFigureOut">
               <a:rPr lang="en-US" smtClean="0"/>
-              <a:t>8/26/25</a:t>
+              <a:t>8/29/2025</a:t>
             </a:fld>
             <a:endParaRPr lang="en-US"/>
           </a:p>
@@ -35972,19 +35972,7 @@
                   <a:rPr lang="pt-BR" sz="2400" dirty="0">
                     <a:hlinkClick r:id="rId2"/>
                   </a:rPr>
-                  <a:t>https://</a:t>
-                </a:r>
-                <a:r>
-                  <a:rPr lang="pt-BR" sz="2400" dirty="0" err="1">
-                    <a:hlinkClick r:id="rId2"/>
-                  </a:rPr>
-                  <a:t>www.ibge.gov.br</a:t>
-                </a:r>
-                <a:r>
-                  <a:rPr lang="pt-BR" sz="2400" dirty="0">
-                    <a:hlinkClick r:id="rId2"/>
-                  </a:rPr>
-                  <a:t>/</a:t>
+                  <a:t>https://www.ibge.gov.br/</a:t>
                 </a:r>
                 <a:r>
                   <a:rPr lang="pt-BR" sz="2400" dirty="0" err="1">
@@ -36008,7 +35996,7 @@
                   <a:rPr lang="pt-BR" sz="2400" dirty="0">
                     <a:hlinkClick r:id="rId2"/>
                   </a:rPr>
-                  <a:t>/9126-tabuas-completas-de-mortalidade.html?edicao=42004</a:t>
+                  <a:t>/9109-projecao-da-populacao.html?=&amp;t=resultados</a:t>
                 </a:r>
                 <a:r>
                   <a:rPr lang="pt-BR" sz="2400" dirty="0"/>
@@ -36104,9 +36092,6 @@
                   <a:rPr lang="pt-BR" sz="2400" dirty="0"/>
                   <a:t>)</a:t>
                 </a:r>
-              </a:p>
-              <a:p>
-                <a:endParaRPr lang="pt-BR" sz="2400" dirty="0"/>
               </a:p>
               <a:p>
                 <a:r>
@@ -36305,7 +36290,7 @@
               <a:blipFill>
                 <a:blip r:embed="rId5"/>
                 <a:stretch>
-                  <a:fillRect l="-1217" t="-44076" r="-1043" b="-43602"/>
+                  <a:fillRect l="-1171" t="-28929" r="-1171" b="-25057"/>
                 </a:stretch>
               </a:blipFill>
             </p:spPr>
